--- a/zustand-learning/Zustand.pptx
+++ b/zustand-learning/Zustand.pptx
@@ -6,11 +6,17 @@
   </p:sldMasterIdLst>
   <p:sldIdLst>
     <p:sldId id="256" r:id="rId2"/>
-    <p:sldId id="259" r:id="rId3"/>
-    <p:sldId id="257" r:id="rId4"/>
-    <p:sldId id="258" r:id="rId5"/>
+    <p:sldId id="257" r:id="rId3"/>
+    <p:sldId id="258" r:id="rId4"/>
+    <p:sldId id="268" r:id="rId5"/>
     <p:sldId id="260" r:id="rId6"/>
     <p:sldId id="261" r:id="rId7"/>
+    <p:sldId id="263" r:id="rId8"/>
+    <p:sldId id="264" r:id="rId9"/>
+    <p:sldId id="265" r:id="rId10"/>
+    <p:sldId id="269" r:id="rId11"/>
+    <p:sldId id="266" r:id="rId12"/>
+    <p:sldId id="267" r:id="rId13"/>
   </p:sldIdLst>
   <p:sldSz cx="12192000" cy="6858000"/>
   <p:notesSz cx="6858000" cy="9144000"/>
@@ -109,6 +115,11 @@
       </a:defRPr>
     </a:lvl9pPr>
   </p:defaultTextStyle>
+  <p:extLst>
+    <p:ext uri="{EFAFB233-063F-42B5-8137-9DF3F51BA10A}">
+      <p15:sldGuideLst xmlns:p15="http://schemas.microsoft.com/office/powerpoint/2012/main"/>
+    </p:ext>
+  </p:extLst>
 </p:presentation>
 </file>
 
@@ -207,7 +218,7 @@
           <a:effectLst/>
           <a:extLst>
             <a:ext uri="{91240B29-F687-4f45-9708-019B960494DF}">
-              <a14:hiddenLine xmlns:a14="http://schemas.microsoft.com/office/drawing/2010/main" xmlns="" w="9525">
+              <a14:hiddenLine xmlns="" xmlns:a14="http://schemas.microsoft.com/office/drawing/2010/main" w="9525">
                 <a:solidFill>
                   <a:srgbClr val="000000"/>
                 </a:solidFill>
@@ -399,7 +410,7 @@
           <a:p>
             <a:fld id="{48A87A34-81AB-432B-8DAE-1953F412C126}" type="datetimeFigureOut">
               <a:rPr lang="en-US" smtClean="0"/>
-              <a:t>1/30/2023</a:t>
+              <a:t>1/31/2023</a:t>
             </a:fld>
             <a:endParaRPr lang="en-US" dirty="0"/>
           </a:p>
@@ -718,7 +729,7 @@
             <a:fld id="{48A87A34-81AB-432B-8DAE-1953F412C126}" type="datetimeFigureOut">
               <a:rPr lang="en-US" smtClean="0"/>
               <a:pPr/>
-              <a:t>1/30/2023</a:t>
+              <a:t>1/31/2023</a:t>
             </a:fld>
             <a:endParaRPr lang="en-US" dirty="0"/>
           </a:p>
@@ -1208,7 +1219,7 @@
             <a:fld id="{48A87A34-81AB-432B-8DAE-1953F412C126}" type="datetimeFigureOut">
               <a:rPr lang="en-US" smtClean="0"/>
               <a:pPr/>
-              <a:t>1/30/2023</a:t>
+              <a:t>1/31/2023</a:t>
             </a:fld>
             <a:endParaRPr lang="en-US" dirty="0"/>
           </a:p>
@@ -1579,7 +1590,7 @@
             <a:fld id="{48A87A34-81AB-432B-8DAE-1953F412C126}" type="datetimeFigureOut">
               <a:rPr lang="en-US" smtClean="0"/>
               <a:pPr/>
-              <a:t>1/30/2023</a:t>
+              <a:t>1/31/2023</a:t>
             </a:fld>
             <a:endParaRPr lang="en-US" dirty="0"/>
           </a:p>
@@ -1735,7 +1746,7 @@
           <a:ln/>
           <a:extLst>
             <a:ext uri="{91240B29-F687-4f45-9708-019B960494DF}">
-              <a14:hiddenLine xmlns:a14="http://schemas.microsoft.com/office/drawing/2010/main" xmlns="" w="9525">
+              <a14:hiddenLine xmlns="" xmlns:a14="http://schemas.microsoft.com/office/drawing/2010/main" w="9525">
                 <a:solidFill>
                   <a:srgbClr val="000000"/>
                 </a:solidFill>
@@ -1853,7 +1864,7 @@
           <a:p>
             <a:fld id="{48A87A34-81AB-432B-8DAE-1953F412C126}" type="datetimeFigureOut">
               <a:rPr lang="en-US" smtClean="0"/>
-              <a:t>1/30/2023</a:t>
+              <a:t>1/31/2023</a:t>
             </a:fld>
             <a:endParaRPr lang="en-US" dirty="0"/>
           </a:p>
@@ -2010,7 +2021,7 @@
           <a:ln/>
           <a:extLst>
             <a:ext uri="{91240B29-F687-4f45-9708-019B960494DF}">
-              <a14:hiddenLine xmlns:a14="http://schemas.microsoft.com/office/drawing/2010/main" xmlns="" w="9525">
+              <a14:hiddenLine xmlns="" xmlns:a14="http://schemas.microsoft.com/office/drawing/2010/main" w="9525">
                 <a:solidFill>
                   <a:srgbClr val="000000"/>
                 </a:solidFill>
@@ -2138,7 +2149,7 @@
           <a:p>
             <a:fld id="{48A87A34-81AB-432B-8DAE-1953F412C126}" type="datetimeFigureOut">
               <a:rPr lang="en-US" smtClean="0"/>
-              <a:t>1/30/2023</a:t>
+              <a:t>1/31/2023</a:t>
             </a:fld>
             <a:endParaRPr lang="en-US" dirty="0"/>
           </a:p>
@@ -2293,7 +2304,7 @@
           <a:ln/>
           <a:extLst>
             <a:ext uri="{91240B29-F687-4f45-9708-019B960494DF}">
-              <a14:hiddenLine xmlns:a14="http://schemas.microsoft.com/office/drawing/2010/main" xmlns="" w="9525">
+              <a14:hiddenLine xmlns="" xmlns:a14="http://schemas.microsoft.com/office/drawing/2010/main" w="9525">
                 <a:solidFill>
                   <a:srgbClr val="000000"/>
                 </a:solidFill>
@@ -2421,7 +2432,7 @@
           <a:p>
             <a:fld id="{48A87A34-81AB-432B-8DAE-1953F412C126}" type="datetimeFigureOut">
               <a:rPr lang="en-US" smtClean="0"/>
-              <a:t>1/30/2023</a:t>
+              <a:t>1/31/2023</a:t>
             </a:fld>
             <a:endParaRPr lang="en-US" dirty="0"/>
           </a:p>
@@ -2764,7 +2775,7 @@
           <a:p>
             <a:fld id="{48A87A34-81AB-432B-8DAE-1953F412C126}" type="datetimeFigureOut">
               <a:rPr lang="en-US" smtClean="0"/>
-              <a:t>1/30/2023</a:t>
+              <a:t>1/31/2023</a:t>
             </a:fld>
             <a:endParaRPr lang="en-US" dirty="0"/>
           </a:p>
@@ -2919,7 +2930,7 @@
           <a:ln/>
           <a:extLst>
             <a:ext uri="{91240B29-F687-4f45-9708-019B960494DF}">
-              <a14:hiddenLine xmlns:a14="http://schemas.microsoft.com/office/drawing/2010/main" xmlns="" w="9525">
+              <a14:hiddenLine xmlns="" xmlns:a14="http://schemas.microsoft.com/office/drawing/2010/main" w="9525">
                 <a:solidFill>
                   <a:srgbClr val="000000"/>
                 </a:solidFill>
@@ -3103,7 +3114,7 @@
           <a:p>
             <a:fld id="{48A87A34-81AB-432B-8DAE-1953F412C126}" type="datetimeFigureOut">
               <a:rPr lang="en-US" smtClean="0"/>
-              <a:t>1/30/2023</a:t>
+              <a:t>1/31/2023</a:t>
             </a:fld>
             <a:endParaRPr lang="en-US" dirty="0"/>
           </a:p>
@@ -3258,7 +3269,7 @@
           <a:ln/>
           <a:extLst>
             <a:ext uri="{91240B29-F687-4f45-9708-019B960494DF}">
-              <a14:hiddenLine xmlns:a14="http://schemas.microsoft.com/office/drawing/2010/main" xmlns="" w="9525">
+              <a14:hiddenLine xmlns="" xmlns:a14="http://schemas.microsoft.com/office/drawing/2010/main" w="9525">
                 <a:solidFill>
                   <a:srgbClr val="000000"/>
                 </a:solidFill>
@@ -3580,7 +3591,7 @@
           <a:p>
             <a:fld id="{48A87A34-81AB-432B-8DAE-1953F412C126}" type="datetimeFigureOut">
               <a:rPr lang="en-US" smtClean="0"/>
-              <a:t>1/30/2023</a:t>
+              <a:t>1/31/2023</a:t>
             </a:fld>
             <a:endParaRPr lang="en-US" dirty="0"/>
           </a:p>
@@ -3735,7 +3746,7 @@
           <a:ln/>
           <a:extLst>
             <a:ext uri="{91240B29-F687-4f45-9708-019B960494DF}">
-              <a14:hiddenLine xmlns:a14="http://schemas.microsoft.com/office/drawing/2010/main" xmlns="" w="9525">
+              <a14:hiddenLine xmlns="" xmlns:a14="http://schemas.microsoft.com/office/drawing/2010/main" w="9525">
                 <a:solidFill>
                   <a:srgbClr val="000000"/>
                 </a:solidFill>
@@ -3801,7 +3812,7 @@
           <a:p>
             <a:fld id="{48A87A34-81AB-432B-8DAE-1953F412C126}" type="datetimeFigureOut">
               <a:rPr lang="en-US" smtClean="0"/>
-              <a:t>1/30/2023</a:t>
+              <a:t>1/31/2023</a:t>
             </a:fld>
             <a:endParaRPr lang="en-US" dirty="0"/>
           </a:p>
@@ -3896,7 +3907,7 @@
           <a:p>
             <a:fld id="{48A87A34-81AB-432B-8DAE-1953F412C126}" type="datetimeFigureOut">
               <a:rPr lang="en-US" smtClean="0"/>
-              <a:t>1/30/2023</a:t>
+              <a:t>1/31/2023</a:t>
             </a:fld>
             <a:endParaRPr lang="en-US" dirty="0"/>
           </a:p>
@@ -4164,7 +4175,7 @@
           <a:ln/>
           <a:extLst>
             <a:ext uri="{91240B29-F687-4f45-9708-019B960494DF}">
-              <a14:hiddenLine xmlns:a14="http://schemas.microsoft.com/office/drawing/2010/main" xmlns="" w="9525">
+              <a14:hiddenLine xmlns="" xmlns:a14="http://schemas.microsoft.com/office/drawing/2010/main" w="9525">
                 <a:solidFill>
                   <a:srgbClr val="000000"/>
                 </a:solidFill>
@@ -4363,7 +4374,7 @@
           <a:p>
             <a:fld id="{48A87A34-81AB-432B-8DAE-1953F412C126}" type="datetimeFigureOut">
               <a:rPr lang="en-US" smtClean="0"/>
-              <a:t>1/30/2023</a:t>
+              <a:t>1/31/2023</a:t>
             </a:fld>
             <a:endParaRPr lang="en-US" dirty="0"/>
           </a:p>
@@ -4677,7 +4688,7 @@
             <a:fld id="{48A87A34-81AB-432B-8DAE-1953F412C126}" type="datetimeFigureOut">
               <a:rPr lang="en-US" smtClean="0"/>
               <a:pPr/>
-              <a:t>1/30/2023</a:t>
+              <a:t>1/31/2023</a:t>
             </a:fld>
             <a:endParaRPr lang="en-US" dirty="0"/>
           </a:p>
@@ -4949,7 +4960,7 @@
             <a:fld id="{48A87A34-81AB-432B-8DAE-1953F412C126}" type="datetimeFigureOut">
               <a:rPr lang="en-US" smtClean="0"/>
               <a:pPr/>
-              <a:t>1/30/2023</a:t>
+              <a:t>1/31/2023</a:t>
             </a:fld>
             <a:endParaRPr lang="en-US" dirty="0"/>
           </a:p>
@@ -5445,11 +5456,13 @@
         </p:nvSpPr>
         <p:spPr/>
         <p:txBody>
-          <a:bodyPr/>
-          <a:lstStyle/>
-          <a:p>
-            <a:r>
-              <a:rPr lang="en-US" dirty="0"/>
+          <a:bodyPr>
+            <a:noAutofit/>
+          </a:bodyPr>
+          <a:lstStyle/>
+          <a:p>
+            <a:r>
+              <a:rPr lang="en-US" sz="2400" dirty="0"/>
               <a:t>A  small, fast, and scalable bear bones state management solution</a:t>
             </a:r>
           </a:p>
@@ -5515,6 +5528,238 @@
 </p:sld>
 </file>
 
+<file path=ppt/slides/slide10.xml><?xml version="1.0" encoding="utf-8"?>
+<p:sld xmlns:a="http://schemas.openxmlformats.org/drawingml/2006/main" xmlns:r="http://schemas.openxmlformats.org/officeDocument/2006/relationships" xmlns:p="http://schemas.openxmlformats.org/presentationml/2006/main">
+  <p:cSld>
+    <p:spTree>
+      <p:nvGrpSpPr>
+        <p:cNvPr id="1" name=""/>
+        <p:cNvGrpSpPr/>
+        <p:nvPr/>
+      </p:nvGrpSpPr>
+      <p:grpSpPr>
+        <a:xfrm>
+          <a:off x="0" y="0"/>
+          <a:ext cx="0" cy="0"/>
+          <a:chOff x="0" y="0"/>
+          <a:chExt cx="0" cy="0"/>
+        </a:xfrm>
+      </p:grpSpPr>
+      <p:pic>
+        <p:nvPicPr>
+          <p:cNvPr id="3" name="Picture 2">
+            <a:extLst>
+              <a:ext uri="{FF2B5EF4-FFF2-40B4-BE49-F238E27FC236}">
+                <a16:creationId xmlns:a16="http://schemas.microsoft.com/office/drawing/2014/main" id="{B971351B-3701-491D-AA47-C31C7F389840}"/>
+              </a:ext>
+            </a:extLst>
+          </p:cNvPr>
+          <p:cNvPicPr>
+            <a:picLocks noChangeAspect="1"/>
+          </p:cNvPicPr>
+          <p:nvPr/>
+        </p:nvPicPr>
+        <p:blipFill>
+          <a:blip r:embed="rId2"/>
+          <a:stretch>
+            <a:fillRect/>
+          </a:stretch>
+        </p:blipFill>
+        <p:spPr>
+          <a:xfrm>
+            <a:off x="1977724" y="878088"/>
+            <a:ext cx="7788315" cy="5281118"/>
+          </a:xfrm>
+          <a:prstGeom prst="rect">
+            <a:avLst/>
+          </a:prstGeom>
+        </p:spPr>
+      </p:pic>
+    </p:spTree>
+    <p:extLst>
+      <p:ext uri="{BB962C8B-B14F-4D97-AF65-F5344CB8AC3E}">
+        <p14:creationId xmlns:p14="http://schemas.microsoft.com/office/powerpoint/2010/main" val="2040649581"/>
+      </p:ext>
+    </p:extLst>
+  </p:cSld>
+  <p:clrMapOvr>
+    <a:masterClrMapping/>
+  </p:clrMapOvr>
+</p:sld>
+</file>
+
+<file path=ppt/slides/slide11.xml><?xml version="1.0" encoding="utf-8"?>
+<p:sld xmlns:a="http://schemas.openxmlformats.org/drawingml/2006/main" xmlns:r="http://schemas.openxmlformats.org/officeDocument/2006/relationships" xmlns:p="http://schemas.openxmlformats.org/presentationml/2006/main">
+  <p:cSld>
+    <p:spTree>
+      <p:nvGrpSpPr>
+        <p:cNvPr id="1" name=""/>
+        <p:cNvGrpSpPr/>
+        <p:nvPr/>
+      </p:nvGrpSpPr>
+      <p:grpSpPr>
+        <a:xfrm>
+          <a:off x="0" y="0"/>
+          <a:ext cx="0" cy="0"/>
+          <a:chOff x="0" y="0"/>
+          <a:chExt cx="0" cy="0"/>
+        </a:xfrm>
+      </p:grpSpPr>
+      <p:sp>
+        <p:nvSpPr>
+          <p:cNvPr id="2" name="Title 1">
+            <a:extLst>
+              <a:ext uri="{FF2B5EF4-FFF2-40B4-BE49-F238E27FC236}">
+                <a16:creationId xmlns:a16="http://schemas.microsoft.com/office/drawing/2014/main" id="{4F7172CD-CC20-4128-BED3-B41EC409F25F}"/>
+              </a:ext>
+            </a:extLst>
+          </p:cNvPr>
+          <p:cNvSpPr>
+            <a:spLocks noGrp="1"/>
+          </p:cNvSpPr>
+          <p:nvPr>
+            <p:ph type="title"/>
+          </p:nvPr>
+        </p:nvSpPr>
+        <p:spPr/>
+        <p:txBody>
+          <a:bodyPr/>
+          <a:lstStyle/>
+          <a:p>
+            <a:r>
+              <a:rPr lang="en-US" dirty="0"/>
+              <a:t>App component</a:t>
+            </a:r>
+          </a:p>
+        </p:txBody>
+      </p:sp>
+      <p:pic>
+        <p:nvPicPr>
+          <p:cNvPr id="4" name="Picture 3">
+            <a:extLst>
+              <a:ext uri="{FF2B5EF4-FFF2-40B4-BE49-F238E27FC236}">
+                <a16:creationId xmlns:a16="http://schemas.microsoft.com/office/drawing/2014/main" id="{673725AF-C454-4994-B2F6-3125B7ED2ECD}"/>
+              </a:ext>
+            </a:extLst>
+          </p:cNvPr>
+          <p:cNvPicPr>
+            <a:picLocks noChangeAspect="1"/>
+          </p:cNvPicPr>
+          <p:nvPr/>
+        </p:nvPicPr>
+        <p:blipFill>
+          <a:blip r:embed="rId2"/>
+          <a:stretch>
+            <a:fillRect/>
+          </a:stretch>
+        </p:blipFill>
+        <p:spPr>
+          <a:xfrm>
+            <a:off x="2141374" y="1855693"/>
+            <a:ext cx="6797629" cy="4661647"/>
+          </a:xfrm>
+          <a:prstGeom prst="rect">
+            <a:avLst/>
+          </a:prstGeom>
+        </p:spPr>
+      </p:pic>
+    </p:spTree>
+    <p:extLst>
+      <p:ext uri="{BB962C8B-B14F-4D97-AF65-F5344CB8AC3E}">
+        <p14:creationId xmlns:p14="http://schemas.microsoft.com/office/powerpoint/2010/main" val="1331167223"/>
+      </p:ext>
+    </p:extLst>
+  </p:cSld>
+  <p:clrMapOvr>
+    <a:masterClrMapping/>
+  </p:clrMapOvr>
+</p:sld>
+</file>
+
+<file path=ppt/slides/slide12.xml><?xml version="1.0" encoding="utf-8"?>
+<p:sld xmlns:a="http://schemas.openxmlformats.org/drawingml/2006/main" xmlns:r="http://schemas.openxmlformats.org/officeDocument/2006/relationships" xmlns:p="http://schemas.openxmlformats.org/presentationml/2006/main">
+  <p:cSld>
+    <p:spTree>
+      <p:nvGrpSpPr>
+        <p:cNvPr id="1" name=""/>
+        <p:cNvGrpSpPr/>
+        <p:nvPr/>
+      </p:nvGrpSpPr>
+      <p:grpSpPr>
+        <a:xfrm>
+          <a:off x="0" y="0"/>
+          <a:ext cx="0" cy="0"/>
+          <a:chOff x="0" y="0"/>
+          <a:chExt cx="0" cy="0"/>
+        </a:xfrm>
+      </p:grpSpPr>
+      <p:sp>
+        <p:nvSpPr>
+          <p:cNvPr id="2" name="Rectangle 1">
+            <a:extLst>
+              <a:ext uri="{FF2B5EF4-FFF2-40B4-BE49-F238E27FC236}">
+                <a16:creationId xmlns:a16="http://schemas.microsoft.com/office/drawing/2014/main" id="{707676EF-CC61-4190-9F1C-F4C433D93DC9}"/>
+              </a:ext>
+            </a:extLst>
+          </p:cNvPr>
+          <p:cNvSpPr/>
+          <p:nvPr/>
+        </p:nvSpPr>
+        <p:spPr>
+          <a:xfrm>
+            <a:off x="4092088" y="2967335"/>
+            <a:ext cx="4007828" cy="923330"/>
+          </a:xfrm>
+          <a:prstGeom prst="rect">
+            <a:avLst/>
+          </a:prstGeom>
+          <a:noFill/>
+        </p:spPr>
+        <p:txBody>
+          <a:bodyPr wrap="none" lIns="91440" tIns="45720" rIns="91440" bIns="45720">
+            <a:spAutoFit/>
+          </a:bodyPr>
+          <a:lstStyle/>
+          <a:p>
+            <a:pPr algn="ctr"/>
+            <a:r>
+              <a:rPr lang="en-US" sz="5400" b="1" cap="none" spc="0" dirty="0">
+                <a:ln w="13462">
+                  <a:solidFill>
+                    <a:schemeClr val="bg1"/>
+                  </a:solidFill>
+                  <a:prstDash val="solid"/>
+                </a:ln>
+                <a:solidFill>
+                  <a:schemeClr val="tx1">
+                    <a:lumMod val="85000"/>
+                    <a:lumOff val="15000"/>
+                  </a:schemeClr>
+                </a:solidFill>
+                <a:effectLst>
+                  <a:outerShdw dist="38100" dir="2700000" algn="bl" rotWithShape="0">
+                    <a:schemeClr val="accent5"/>
+                  </a:outerShdw>
+                </a:effectLst>
+              </a:rPr>
+              <a:t>Thank you !</a:t>
+            </a:r>
+          </a:p>
+        </p:txBody>
+      </p:sp>
+    </p:spTree>
+    <p:extLst>
+      <p:ext uri="{BB962C8B-B14F-4D97-AF65-F5344CB8AC3E}">
+        <p14:creationId xmlns:p14="http://schemas.microsoft.com/office/powerpoint/2010/main" val="2142066678"/>
+      </p:ext>
+    </p:extLst>
+  </p:cSld>
+  <p:clrMapOvr>
+    <a:masterClrMapping/>
+  </p:clrMapOvr>
+</p:sld>
+</file>
+
 <file path=ppt/slides/slide2.xml><?xml version="1.0" encoding="utf-8"?>
 <p:sld xmlns:a="http://schemas.openxmlformats.org/drawingml/2006/main" xmlns:r="http://schemas.openxmlformats.org/officeDocument/2006/relationships" xmlns:p="http://schemas.openxmlformats.org/presentationml/2006/main">
   <p:cSld>
@@ -5537,7 +5782,7 @@
           <p:cNvPr id="2" name="Title 1">
             <a:extLst>
               <a:ext uri="{FF2B5EF4-FFF2-40B4-BE49-F238E27FC236}">
-                <a16:creationId xmlns:a16="http://schemas.microsoft.com/office/drawing/2014/main" id="{2F91315A-019D-431C-9196-DECA276B40C5}"/>
+                <a16:creationId xmlns:a16="http://schemas.microsoft.com/office/drawing/2014/main" id="{C7103ED1-CF3C-4B64-8E64-BEB8E8E9713B}"/>
               </a:ext>
             </a:extLst>
           </p:cNvPr>
@@ -5555,7 +5800,7 @@
           <a:p>
             <a:r>
               <a:rPr lang="en-US" dirty="0"/>
-              <a:t>What is state management ?</a:t>
+              <a:t>What is Zustand ?</a:t>
             </a:r>
           </a:p>
         </p:txBody>
@@ -5565,7 +5810,7 @@
           <p:cNvPr id="3" name="TextBox 2">
             <a:extLst>
               <a:ext uri="{FF2B5EF4-FFF2-40B4-BE49-F238E27FC236}">
-                <a16:creationId xmlns:a16="http://schemas.microsoft.com/office/drawing/2014/main" id="{FB0B7C2F-3189-4895-96B4-3FA7B1664D58}"/>
+                <a16:creationId xmlns:a16="http://schemas.microsoft.com/office/drawing/2014/main" id="{8AD03AEA-55BD-4819-812D-12FC3B86E182}"/>
               </a:ext>
             </a:extLst>
           </p:cNvPr>
@@ -5574,8 +5819,8 @@
         </p:nvSpPr>
         <p:spPr>
           <a:xfrm>
-            <a:off x="809999" y="2097740"/>
-            <a:ext cx="11086165" cy="3046988"/>
+            <a:off x="986118" y="2456329"/>
+            <a:ext cx="9287435" cy="4154984"/>
           </a:xfrm>
           <a:prstGeom prst="rect">
             <a:avLst/>
@@ -5588,17 +5833,65 @@
           </a:bodyPr>
           <a:lstStyle/>
           <a:p>
+            <a:pPr marL="285750" indent="-285750">
+              <a:buFont typeface="Arial" panose="020B0604020202020204" pitchFamily="34" charset="0"/>
+              <a:buChar char="•"/>
+            </a:pPr>
             <a:r>
               <a:rPr lang="en-US" sz="2400" dirty="0"/>
-              <a:t>State management in web development refers to the process of managing and storing data and user-generated events in a web application. This can include data such as user preferences, form inputs, or the current state of an object, as well as events such as button clicks, form submissions, and route changes. Effective state management helps ensure a seamless and consistent user experience, enables efficient updates and rendering of the application's UI, and helps avoid duplication and conflicts in data. </a:t>
-            </a:r>
+              <a:t>Zustand is a small, fast and scalable status management solution. Its state management is centralized and action-based.</a:t>
+            </a:r>
+          </a:p>
+          <a:p>
+            <a:pPr marL="285750" indent="-285750">
+              <a:buFont typeface="Arial" panose="020B0604020202020204" pitchFamily="34" charset="0"/>
+              <a:buChar char="•"/>
+            </a:pPr>
+            <a:r>
+              <a:rPr lang="en-US" sz="2400" dirty="0"/>
+              <a:t>Zustand was developed by Jotai and React-spring's creators.</a:t>
+            </a:r>
+          </a:p>
+          <a:p>
+            <a:pPr marL="285750" indent="-285750">
+              <a:buFont typeface="Arial" panose="020B0604020202020204" pitchFamily="34" charset="0"/>
+              <a:buChar char="•"/>
+            </a:pPr>
+            <a:r>
+              <a:rPr lang="en-US" sz="2400" dirty="0"/>
+              <a:t>You can use Zustand in both React and some other technology like Angular, Vue JS or even vanilla JavaScript.</a:t>
+            </a:r>
+          </a:p>
+          <a:p>
+            <a:pPr marL="285750" indent="-285750">
+              <a:buFont typeface="Arial" panose="020B0604020202020204" pitchFamily="34" charset="0"/>
+              <a:buChar char="•"/>
+            </a:pPr>
+            <a:r>
+              <a:rPr lang="en-US" sz="2400" dirty="0"/>
+              <a:t>Zustand is an alternative to other state managers like Redux, Jotai Recoil, etc.</a:t>
+            </a:r>
+          </a:p>
+          <a:p>
+            <a:pPr marL="285750" indent="-285750">
+              <a:buFont typeface="Arial" panose="020B0604020202020204" pitchFamily="34" charset="0"/>
+              <a:buChar char="•"/>
+            </a:pPr>
+            <a:endParaRPr lang="en-US" sz="2400" dirty="0"/>
+          </a:p>
+          <a:p>
+            <a:pPr marL="285750" indent="-285750">
+              <a:buFont typeface="Arial" panose="020B0604020202020204" pitchFamily="34" charset="0"/>
+              <a:buChar char="•"/>
+            </a:pPr>
+            <a:endParaRPr lang="en-US" sz="2400" dirty="0"/>
           </a:p>
         </p:txBody>
       </p:sp>
     </p:spTree>
     <p:extLst>
       <p:ext uri="{BB962C8B-B14F-4D97-AF65-F5344CB8AC3E}">
-        <p14:creationId xmlns:p14="http://schemas.microsoft.com/office/powerpoint/2010/main" val="1105328729"/>
+        <p14:creationId xmlns:p14="http://schemas.microsoft.com/office/powerpoint/2010/main" val="870663131"/>
       </p:ext>
     </p:extLst>
   </p:cSld>
@@ -5630,7 +5923,7 @@
           <p:cNvPr id="2" name="Title 1">
             <a:extLst>
               <a:ext uri="{FF2B5EF4-FFF2-40B4-BE49-F238E27FC236}">
-                <a16:creationId xmlns:a16="http://schemas.microsoft.com/office/drawing/2014/main" id="{C7103ED1-CF3C-4B64-8E64-BEB8E8E9713B}"/>
+                <a16:creationId xmlns:a16="http://schemas.microsoft.com/office/drawing/2014/main" id="{26A607D0-6EBF-41E6-9627-76AD458161C0}"/>
               </a:ext>
             </a:extLst>
           </p:cNvPr>
@@ -5648,7 +5941,7 @@
           <a:p>
             <a:r>
               <a:rPr lang="en-US" dirty="0"/>
-              <a:t>What is Zustand ?</a:t>
+              <a:t>Why Zustand ?</a:t>
             </a:r>
           </a:p>
         </p:txBody>
@@ -5658,7 +5951,7 @@
           <p:cNvPr id="3" name="TextBox 2">
             <a:extLst>
               <a:ext uri="{FF2B5EF4-FFF2-40B4-BE49-F238E27FC236}">
-                <a16:creationId xmlns:a16="http://schemas.microsoft.com/office/drawing/2014/main" id="{8AD03AEA-55BD-4819-812D-12FC3B86E182}"/>
+                <a16:creationId xmlns:a16="http://schemas.microsoft.com/office/drawing/2014/main" id="{A894D55B-5652-4D86-AD10-FA7D9F5B0BB8}"/>
               </a:ext>
             </a:extLst>
           </p:cNvPr>
@@ -5666,9 +5959,9 @@
           <p:nvPr/>
         </p:nvSpPr>
         <p:spPr>
-          <a:xfrm>
-            <a:off x="986118" y="2456329"/>
-            <a:ext cx="9287435" cy="4154984"/>
+          <a:xfrm flipH="1">
+            <a:off x="565669" y="2079812"/>
+            <a:ext cx="11545647" cy="3416320"/>
           </a:xfrm>
           <a:prstGeom prst="rect">
             <a:avLst/>
@@ -5687,7 +5980,7 @@
             </a:pPr>
             <a:r>
               <a:rPr lang="en-US" sz="2400" dirty="0"/>
-              <a:t>Zustand is a small, fast and scalable status management solution. Its state management is centralized and action-based.</a:t>
+              <a:t>Less repeated code (compared to Redux).</a:t>
             </a:r>
           </a:p>
           <a:p>
@@ -5697,7 +5990,7 @@
             </a:pPr>
             <a:r>
               <a:rPr lang="en-US" sz="2400" dirty="0"/>
-              <a:t>Zustand was developed by Jotai and React-spring's creators.</a:t>
+              <a:t>Easy to understand documentation.</a:t>
             </a:r>
           </a:p>
           <a:p>
@@ -5707,7 +6000,25 @@
             </a:pPr>
             <a:r>
               <a:rPr lang="en-US" sz="2400" dirty="0"/>
-              <a:t>You can use Zustand in both React and some other technology like Angular, Vue JS or even vanilla JavaScript.</a:t>
+              <a:t>Flexibility</a:t>
+            </a:r>
+          </a:p>
+          <a:p>
+            <a:pPr marL="742950" lvl="1" indent="-285750">
+              <a:buFont typeface="Wingdings" panose="05000000000000000000" pitchFamily="2" charset="2"/>
+              <a:buChar char="Ø"/>
+            </a:pPr>
+            <a:r>
+              <a:rPr lang="en-US" sz="2400" dirty="0"/>
+              <a:t>You can use Zustand the simple way, with TypeScript, you can integrate </a:t>
+            </a:r>
+            <a:r>
+              <a:rPr lang="en-US" sz="2400" dirty="0" err="1"/>
+              <a:t>immer</a:t>
+            </a:r>
+            <a:r>
+              <a:rPr lang="en-US" sz="2400" dirty="0"/>
+              <a:t> for immutability or you can even write code similar to the Redux pattern (reducers and dispatch).</a:t>
             </a:r>
           </a:p>
           <a:p>
@@ -5717,7 +6028,7 @@
             </a:pPr>
             <a:r>
               <a:rPr lang="en-US" sz="2400" dirty="0"/>
-              <a:t>Zustand is an alternative to other state managers like Redux, Jotai Recoil, etc.</a:t>
+              <a:t>It does not wrap the application in a provider as is commonly done in Redux.</a:t>
             </a:r>
           </a:p>
           <a:p>
@@ -5725,21 +6036,17 @@
               <a:buFont typeface="Arial" panose="020B0604020202020204" pitchFamily="34" charset="0"/>
               <a:buChar char="•"/>
             </a:pPr>
-            <a:endParaRPr lang="en-US" sz="2400" dirty="0"/>
-          </a:p>
-          <a:p>
-            <a:pPr marL="285750" indent="-285750">
-              <a:buFont typeface="Arial" panose="020B0604020202020204" pitchFamily="34" charset="0"/>
-              <a:buChar char="•"/>
-            </a:pPr>
-            <a:endParaRPr lang="en-US" sz="2400" dirty="0"/>
+            <a:r>
+              <a:rPr lang="en-US" sz="2400" dirty="0"/>
+              <a:t>Renders components only when there are changes.</a:t>
+            </a:r>
           </a:p>
         </p:txBody>
       </p:sp>
     </p:spTree>
     <p:extLst>
       <p:ext uri="{BB962C8B-B14F-4D97-AF65-F5344CB8AC3E}">
-        <p14:creationId xmlns:p14="http://schemas.microsoft.com/office/powerpoint/2010/main" val="870663131"/>
+        <p14:creationId xmlns:p14="http://schemas.microsoft.com/office/powerpoint/2010/main" val="1277495867"/>
       </p:ext>
     </p:extLst>
   </p:cSld>
@@ -5768,38 +6075,10 @@
       </p:grpSpPr>
       <p:sp>
         <p:nvSpPr>
-          <p:cNvPr id="2" name="Title 1">
+          <p:cNvPr id="2" name="TextBox 1">
             <a:extLst>
               <a:ext uri="{FF2B5EF4-FFF2-40B4-BE49-F238E27FC236}">
-                <a16:creationId xmlns:a16="http://schemas.microsoft.com/office/drawing/2014/main" id="{26A607D0-6EBF-41E6-9627-76AD458161C0}"/>
-              </a:ext>
-            </a:extLst>
-          </p:cNvPr>
-          <p:cNvSpPr>
-            <a:spLocks noGrp="1"/>
-          </p:cNvSpPr>
-          <p:nvPr>
-            <p:ph type="title"/>
-          </p:nvPr>
-        </p:nvSpPr>
-        <p:spPr/>
-        <p:txBody>
-          <a:bodyPr/>
-          <a:lstStyle/>
-          <a:p>
-            <a:r>
-              <a:rPr lang="en-US" dirty="0"/>
-              <a:t>Why Zustand ?</a:t>
-            </a:r>
-          </a:p>
-        </p:txBody>
-      </p:sp>
-      <p:sp>
-        <p:nvSpPr>
-          <p:cNvPr id="3" name="TextBox 2">
-            <a:extLst>
-              <a:ext uri="{FF2B5EF4-FFF2-40B4-BE49-F238E27FC236}">
-                <a16:creationId xmlns:a16="http://schemas.microsoft.com/office/drawing/2014/main" id="{A894D55B-5652-4D86-AD10-FA7D9F5B0BB8}"/>
+                <a16:creationId xmlns:a16="http://schemas.microsoft.com/office/drawing/2014/main" id="{63D78692-0CF3-4E65-89A3-5A3B7CA85842}"/>
               </a:ext>
             </a:extLst>
           </p:cNvPr>
@@ -5807,9 +6086,9 @@
           <p:nvPr/>
         </p:nvSpPr>
         <p:spPr>
-          <a:xfrm flipH="1">
-            <a:off x="565669" y="2079812"/>
-            <a:ext cx="11545647" cy="3416320"/>
+          <a:xfrm>
+            <a:off x="1658471" y="394446"/>
+            <a:ext cx="7628965" cy="646331"/>
           </a:xfrm>
           <a:prstGeom prst="rect">
             <a:avLst/>
@@ -5822,71 +6101,112 @@
           </a:bodyPr>
           <a:lstStyle/>
           <a:p>
-            <a:pPr marL="285750" indent="-285750">
-              <a:buFont typeface="Arial" panose="020B0604020202020204" pitchFamily="34" charset="0"/>
-              <a:buChar char="•"/>
-            </a:pPr>
-            <a:r>
-              <a:rPr lang="en-US" sz="2400" dirty="0"/>
-              <a:t>Less repeated code (compared to Redux).</a:t>
-            </a:r>
-          </a:p>
-          <a:p>
-            <a:pPr marL="285750" indent="-285750">
-              <a:buFont typeface="Arial" panose="020B0604020202020204" pitchFamily="34" charset="0"/>
-              <a:buChar char="•"/>
-            </a:pPr>
-            <a:r>
-              <a:rPr lang="en-US" sz="2400" dirty="0"/>
-              <a:t>Easy to understand documentation.</a:t>
-            </a:r>
-          </a:p>
-          <a:p>
-            <a:pPr marL="285750" indent="-285750">
-              <a:buFont typeface="Arial" panose="020B0604020202020204" pitchFamily="34" charset="0"/>
-              <a:buChar char="•"/>
-            </a:pPr>
-            <a:r>
-              <a:rPr lang="en-US" sz="2400" dirty="0"/>
-              <a:t>Flexibility</a:t>
-            </a:r>
-          </a:p>
-          <a:p>
-            <a:pPr marL="742950" lvl="1" indent="-285750">
-              <a:buFont typeface="Wingdings" panose="05000000000000000000" pitchFamily="2" charset="2"/>
-              <a:buChar char="Ø"/>
-            </a:pPr>
-            <a:r>
-              <a:rPr lang="en-US" sz="2400" dirty="0"/>
-              <a:t>You can use Zustand the simple way, with TypeScript, you can integrate </a:t>
-            </a:r>
-            <a:r>
-              <a:rPr lang="en-US" sz="2400" dirty="0" err="1"/>
-              <a:t>immer</a:t>
-            </a:r>
-            <a:r>
-              <a:rPr lang="en-US" sz="2400" dirty="0"/>
-              <a:t> for immutability or you can even write code similar to the Redux pattern (reducers and dispatch).</a:t>
-            </a:r>
-          </a:p>
-          <a:p>
-            <a:pPr marL="285750" indent="-285750">
-              <a:buFont typeface="Arial" panose="020B0604020202020204" pitchFamily="34" charset="0"/>
-              <a:buChar char="•"/>
-            </a:pPr>
-            <a:r>
-              <a:rPr lang="en-US" sz="2400" dirty="0"/>
-              <a:t>It does not wrap the application in a provider as is commonly done in Redux.</a:t>
-            </a:r>
-          </a:p>
-          <a:p>
-            <a:pPr marL="285750" indent="-285750">
-              <a:buFont typeface="Arial" panose="020B0604020202020204" pitchFamily="34" charset="0"/>
-              <a:buChar char="•"/>
-            </a:pPr>
-            <a:r>
-              <a:rPr lang="en-US" sz="2400" dirty="0"/>
-              <a:t>Renders components only when there are changes.</a:t>
+            <a:r>
+              <a:rPr lang="en-US" dirty="0"/>
+              <a:t>Redux requires you to wrap your app in context providers in order to access the state and dispatch actions, while Zustand does not.</a:t>
+            </a:r>
+          </a:p>
+        </p:txBody>
+      </p:sp>
+      <p:pic>
+        <p:nvPicPr>
+          <p:cNvPr id="4" name="Picture 3">
+            <a:extLst>
+              <a:ext uri="{FF2B5EF4-FFF2-40B4-BE49-F238E27FC236}">
+                <a16:creationId xmlns:a16="http://schemas.microsoft.com/office/drawing/2014/main" id="{AF8D53F8-05B3-46A6-AEBB-B454CEA4CF0F}"/>
+              </a:ext>
+            </a:extLst>
+          </p:cNvPr>
+          <p:cNvPicPr>
+            <a:picLocks noChangeAspect="1"/>
+          </p:cNvPicPr>
+          <p:nvPr/>
+        </p:nvPicPr>
+        <p:blipFill>
+          <a:blip r:embed="rId2"/>
+          <a:stretch>
+            <a:fillRect/>
+          </a:stretch>
+        </p:blipFill>
+        <p:spPr>
+          <a:xfrm>
+            <a:off x="196059" y="1446742"/>
+            <a:ext cx="5646195" cy="3421094"/>
+          </a:xfrm>
+          <a:prstGeom prst="rect">
+            <a:avLst/>
+          </a:prstGeom>
+        </p:spPr>
+      </p:pic>
+      <p:pic>
+        <p:nvPicPr>
+          <p:cNvPr id="6" name="Picture 5">
+            <a:extLst>
+              <a:ext uri="{FF2B5EF4-FFF2-40B4-BE49-F238E27FC236}">
+                <a16:creationId xmlns:a16="http://schemas.microsoft.com/office/drawing/2014/main" id="{1B15D5D4-5E51-499C-A0CC-CEB4257C8757}"/>
+              </a:ext>
+            </a:extLst>
+          </p:cNvPr>
+          <p:cNvPicPr>
+            <a:picLocks noChangeAspect="1"/>
+          </p:cNvPicPr>
+          <p:nvPr/>
+        </p:nvPicPr>
+        <p:blipFill>
+          <a:blip r:embed="rId3"/>
+          <a:stretch>
+            <a:fillRect/>
+          </a:stretch>
+        </p:blipFill>
+        <p:spPr>
+          <a:xfrm>
+            <a:off x="5842254" y="1400727"/>
+            <a:ext cx="6309907" cy="3513124"/>
+          </a:xfrm>
+          <a:prstGeom prst="rect">
+            <a:avLst/>
+          </a:prstGeom>
+        </p:spPr>
+      </p:pic>
+      <p:sp>
+        <p:nvSpPr>
+          <p:cNvPr id="7" name="TextBox 6">
+            <a:extLst>
+              <a:ext uri="{FF2B5EF4-FFF2-40B4-BE49-F238E27FC236}">
+                <a16:creationId xmlns:a16="http://schemas.microsoft.com/office/drawing/2014/main" id="{3ECF8178-759F-41A1-8E83-DC738426832F}"/>
+              </a:ext>
+            </a:extLst>
+          </p:cNvPr>
+          <p:cNvSpPr txBox="1"/>
+          <p:nvPr/>
+        </p:nvSpPr>
+        <p:spPr>
+          <a:xfrm>
+            <a:off x="779929" y="5432611"/>
+            <a:ext cx="11250706" cy="923330"/>
+          </a:xfrm>
+          <a:prstGeom prst="rect">
+            <a:avLst/>
+          </a:prstGeom>
+          <a:noFill/>
+        </p:spPr>
+        <p:txBody>
+          <a:bodyPr wrap="square" rtlCol="0">
+            <a:spAutoFit/>
+          </a:bodyPr>
+          <a:lstStyle/>
+          <a:p>
+            <a:r>
+              <a:rPr lang="en-US" dirty="0"/>
+              <a:t>With Zustand, you can simply use the hook </a:t>
+            </a:r>
+            <a:r>
+              <a:rPr lang="en-US" dirty="0" err="1"/>
+              <a:t>useTodoStore</a:t>
+            </a:r>
+            <a:r>
+              <a:rPr lang="en-US" dirty="0"/>
+              <a:t> within your components to access the state, without having to wrap the entire app in a provider. This can make Zustand a more convenient and lightweight choice for state management in some cases.</a:t>
             </a:r>
           </a:p>
         </p:txBody>
@@ -5894,7 +6214,7 @@
     </p:spTree>
     <p:extLst>
       <p:ext uri="{BB962C8B-B14F-4D97-AF65-F5344CB8AC3E}">
-        <p14:creationId xmlns:p14="http://schemas.microsoft.com/office/powerpoint/2010/main" val="1277495867"/>
+        <p14:creationId xmlns:p14="http://schemas.microsoft.com/office/powerpoint/2010/main" val="4086794396"/>
       </p:ext>
     </p:extLst>
   </p:cSld>
@@ -6252,6 +6572,242 @@
     <p:extLst>
       <p:ext uri="{BB962C8B-B14F-4D97-AF65-F5344CB8AC3E}">
         <p14:creationId xmlns:p14="http://schemas.microsoft.com/office/powerpoint/2010/main" val="659448859"/>
+      </p:ext>
+    </p:extLst>
+  </p:cSld>
+  <p:clrMapOvr>
+    <a:masterClrMapping/>
+  </p:clrMapOvr>
+</p:sld>
+</file>
+
+<file path=ppt/slides/slide7.xml><?xml version="1.0" encoding="utf-8"?>
+<p:sld xmlns:a="http://schemas.openxmlformats.org/drawingml/2006/main" xmlns:r="http://schemas.openxmlformats.org/officeDocument/2006/relationships" xmlns:p="http://schemas.openxmlformats.org/presentationml/2006/main">
+  <p:cSld>
+    <p:spTree>
+      <p:nvGrpSpPr>
+        <p:cNvPr id="1" name=""/>
+        <p:cNvGrpSpPr/>
+        <p:nvPr/>
+      </p:nvGrpSpPr>
+      <p:grpSpPr>
+        <a:xfrm>
+          <a:off x="0" y="0"/>
+          <a:ext cx="0" cy="0"/>
+          <a:chOff x="0" y="0"/>
+          <a:chExt cx="0" cy="0"/>
+        </a:xfrm>
+      </p:grpSpPr>
+      <p:sp>
+        <p:nvSpPr>
+          <p:cNvPr id="2" name="Title 1">
+            <a:extLst>
+              <a:ext uri="{FF2B5EF4-FFF2-40B4-BE49-F238E27FC236}">
+                <a16:creationId xmlns:a16="http://schemas.microsoft.com/office/drawing/2014/main" id="{FA4AD59B-8BE7-479E-8947-24D284D7FC3B}"/>
+              </a:ext>
+            </a:extLst>
+          </p:cNvPr>
+          <p:cNvSpPr>
+            <a:spLocks noGrp="1"/>
+          </p:cNvSpPr>
+          <p:nvPr>
+            <p:ph type="title"/>
+          </p:nvPr>
+        </p:nvSpPr>
+        <p:spPr/>
+        <p:txBody>
+          <a:bodyPr/>
+          <a:lstStyle/>
+          <a:p>
+            <a:r>
+              <a:rPr lang="en-US" dirty="0"/>
+              <a:t>Lets create a component</a:t>
+            </a:r>
+          </a:p>
+        </p:txBody>
+      </p:sp>
+      <p:pic>
+        <p:nvPicPr>
+          <p:cNvPr id="5" name="Picture 4">
+            <a:extLst>
+              <a:ext uri="{FF2B5EF4-FFF2-40B4-BE49-F238E27FC236}">
+                <a16:creationId xmlns:a16="http://schemas.microsoft.com/office/drawing/2014/main" id="{25F65F7C-9AF0-4BC7-93AC-1D1348120618}"/>
+              </a:ext>
+            </a:extLst>
+          </p:cNvPr>
+          <p:cNvPicPr>
+            <a:picLocks noChangeAspect="1"/>
+          </p:cNvPicPr>
+          <p:nvPr/>
+        </p:nvPicPr>
+        <p:blipFill>
+          <a:blip r:embed="rId2"/>
+          <a:stretch>
+            <a:fillRect/>
+          </a:stretch>
+        </p:blipFill>
+        <p:spPr>
+          <a:xfrm>
+            <a:off x="1681980" y="2241176"/>
+            <a:ext cx="7614419" cy="4074022"/>
+          </a:xfrm>
+          <a:prstGeom prst="rect">
+            <a:avLst/>
+          </a:prstGeom>
+        </p:spPr>
+      </p:pic>
+    </p:spTree>
+    <p:extLst>
+      <p:ext uri="{BB962C8B-B14F-4D97-AF65-F5344CB8AC3E}">
+        <p14:creationId xmlns:p14="http://schemas.microsoft.com/office/powerpoint/2010/main" val="1287573052"/>
+      </p:ext>
+    </p:extLst>
+  </p:cSld>
+  <p:clrMapOvr>
+    <a:masterClrMapping/>
+  </p:clrMapOvr>
+</p:sld>
+</file>
+
+<file path=ppt/slides/slide8.xml><?xml version="1.0" encoding="utf-8"?>
+<p:sld xmlns:a="http://schemas.openxmlformats.org/drawingml/2006/main" xmlns:r="http://schemas.openxmlformats.org/officeDocument/2006/relationships" xmlns:p="http://schemas.openxmlformats.org/presentationml/2006/main">
+  <p:cSld>
+    <p:spTree>
+      <p:nvGrpSpPr>
+        <p:cNvPr id="1" name=""/>
+        <p:cNvGrpSpPr/>
+        <p:nvPr/>
+      </p:nvGrpSpPr>
+      <p:grpSpPr>
+        <a:xfrm>
+          <a:off x="0" y="0"/>
+          <a:ext cx="0" cy="0"/>
+          <a:chOff x="0" y="0"/>
+          <a:chExt cx="0" cy="0"/>
+        </a:xfrm>
+      </p:grpSpPr>
+      <p:pic>
+        <p:nvPicPr>
+          <p:cNvPr id="3" name="Picture 2">
+            <a:extLst>
+              <a:ext uri="{FF2B5EF4-FFF2-40B4-BE49-F238E27FC236}">
+                <a16:creationId xmlns:a16="http://schemas.microsoft.com/office/drawing/2014/main" id="{5F6C337F-8ABD-435D-A141-F2D7B32DD507}"/>
+              </a:ext>
+            </a:extLst>
+          </p:cNvPr>
+          <p:cNvPicPr>
+            <a:picLocks noChangeAspect="1"/>
+          </p:cNvPicPr>
+          <p:nvPr/>
+        </p:nvPicPr>
+        <p:blipFill>
+          <a:blip r:embed="rId2"/>
+          <a:stretch>
+            <a:fillRect/>
+          </a:stretch>
+        </p:blipFill>
+        <p:spPr>
+          <a:xfrm>
+            <a:off x="1514980" y="1183341"/>
+            <a:ext cx="8238620" cy="5280212"/>
+          </a:xfrm>
+          <a:prstGeom prst="rect">
+            <a:avLst/>
+          </a:prstGeom>
+        </p:spPr>
+      </p:pic>
+    </p:spTree>
+    <p:extLst>
+      <p:ext uri="{BB962C8B-B14F-4D97-AF65-F5344CB8AC3E}">
+        <p14:creationId xmlns:p14="http://schemas.microsoft.com/office/powerpoint/2010/main" val="4209492434"/>
+      </p:ext>
+    </p:extLst>
+  </p:cSld>
+  <p:clrMapOvr>
+    <a:masterClrMapping/>
+  </p:clrMapOvr>
+</p:sld>
+</file>
+
+<file path=ppt/slides/slide9.xml><?xml version="1.0" encoding="utf-8"?>
+<p:sld xmlns:a="http://schemas.openxmlformats.org/drawingml/2006/main" xmlns:r="http://schemas.openxmlformats.org/officeDocument/2006/relationships" xmlns:p="http://schemas.openxmlformats.org/presentationml/2006/main">
+  <p:cSld>
+    <p:spTree>
+      <p:nvGrpSpPr>
+        <p:cNvPr id="1" name=""/>
+        <p:cNvGrpSpPr/>
+        <p:nvPr/>
+      </p:nvGrpSpPr>
+      <p:grpSpPr>
+        <a:xfrm>
+          <a:off x="0" y="0"/>
+          <a:ext cx="0" cy="0"/>
+          <a:chOff x="0" y="0"/>
+          <a:chExt cx="0" cy="0"/>
+        </a:xfrm>
+      </p:grpSpPr>
+      <p:sp>
+        <p:nvSpPr>
+          <p:cNvPr id="2" name="Title 1">
+            <a:extLst>
+              <a:ext uri="{FF2B5EF4-FFF2-40B4-BE49-F238E27FC236}">
+                <a16:creationId xmlns:a16="http://schemas.microsoft.com/office/drawing/2014/main" id="{6233A431-7414-47C0-925A-794F021730D8}"/>
+              </a:ext>
+            </a:extLst>
+          </p:cNvPr>
+          <p:cNvSpPr>
+            <a:spLocks noGrp="1"/>
+          </p:cNvSpPr>
+          <p:nvPr>
+            <p:ph type="title"/>
+          </p:nvPr>
+        </p:nvSpPr>
+        <p:spPr/>
+        <p:txBody>
+          <a:bodyPr/>
+          <a:lstStyle/>
+          <a:p>
+            <a:r>
+              <a:rPr lang="en-US" dirty="0"/>
+              <a:t>Lets create another component</a:t>
+            </a:r>
+          </a:p>
+        </p:txBody>
+      </p:sp>
+      <p:pic>
+        <p:nvPicPr>
+          <p:cNvPr id="4" name="Picture 3">
+            <a:extLst>
+              <a:ext uri="{FF2B5EF4-FFF2-40B4-BE49-F238E27FC236}">
+                <a16:creationId xmlns:a16="http://schemas.microsoft.com/office/drawing/2014/main" id="{13F9EF61-DDD3-4B65-97A5-3919EDA62F34}"/>
+              </a:ext>
+            </a:extLst>
+          </p:cNvPr>
+          <p:cNvPicPr>
+            <a:picLocks noChangeAspect="1"/>
+          </p:cNvPicPr>
+          <p:nvPr/>
+        </p:nvPicPr>
+        <p:blipFill>
+          <a:blip r:embed="rId2"/>
+          <a:stretch>
+            <a:fillRect/>
+          </a:stretch>
+        </p:blipFill>
+        <p:spPr>
+          <a:xfrm>
+            <a:off x="1075765" y="2467438"/>
+            <a:ext cx="8794376" cy="4238162"/>
+          </a:xfrm>
+          <a:prstGeom prst="rect">
+            <a:avLst/>
+          </a:prstGeom>
+        </p:spPr>
+      </p:pic>
+    </p:spTree>
+    <p:extLst>
+      <p:ext uri="{BB962C8B-B14F-4D97-AF65-F5344CB8AC3E}">
+        <p14:creationId xmlns:p14="http://schemas.microsoft.com/office/powerpoint/2010/main" val="529833361"/>
       </p:ext>
     </p:extLst>
   </p:cSld>
